--- a/具有會員系統之英文書籍商城.pptx
+++ b/具有會員系統之英文書籍商城.pptx
@@ -112,6 +112,11 @@
       </a:defRPr>
     </a:lvl9pPr>
   </p:defaultTextStyle>
+  <p:extLst>
+    <p:ext uri="{EFAFB233-063F-42B5-8137-9DF3F51BA10A}">
+      <p15:sldGuideLst xmlns:p15="http://schemas.microsoft.com/office/powerpoint/2012/main"/>
+    </p:ext>
+  </p:extLst>
 </p:presentation>
 </file>
 
@@ -389,7 +394,7 @@
           <a:p>
             <a:fld id="{68133F22-0F63-4B1E-9B39-37AF556F6181}" type="datetimeFigureOut">
               <a:rPr lang="zh-TW" altLang="en-US" smtClean="0"/>
-              <a:t>2021/9/28</a:t>
+              <a:t>2022/5/3</a:t>
             </a:fld>
             <a:endParaRPr lang="zh-TW" altLang="en-US"/>
           </a:p>
@@ -803,7 +808,7 @@
           <a:p>
             <a:fld id="{68133F22-0F63-4B1E-9B39-37AF556F6181}" type="datetimeFigureOut">
               <a:rPr lang="zh-TW" altLang="en-US" smtClean="0"/>
-              <a:t>2021/9/28</a:t>
+              <a:t>2022/5/3</a:t>
             </a:fld>
             <a:endParaRPr lang="zh-TW" altLang="en-US"/>
           </a:p>
@@ -1139,7 +1144,7 @@
           <a:p>
             <a:fld id="{68133F22-0F63-4B1E-9B39-37AF556F6181}" type="datetimeFigureOut">
               <a:rPr lang="zh-TW" altLang="en-US" smtClean="0"/>
-              <a:t>2021/9/28</a:t>
+              <a:t>2022/5/3</a:t>
             </a:fld>
             <a:endParaRPr lang="zh-TW" altLang="en-US"/>
           </a:p>
@@ -1544,7 +1549,7 @@
           <a:p>
             <a:fld id="{68133F22-0F63-4B1E-9B39-37AF556F6181}" type="datetimeFigureOut">
               <a:rPr lang="zh-TW" altLang="en-US" smtClean="0"/>
-              <a:t>2021/9/28</a:t>
+              <a:t>2022/5/3</a:t>
             </a:fld>
             <a:endParaRPr lang="zh-TW" altLang="en-US"/>
           </a:p>
@@ -2112,7 +2117,7 @@
           <a:p>
             <a:fld id="{68133F22-0F63-4B1E-9B39-37AF556F6181}" type="datetimeFigureOut">
               <a:rPr lang="zh-TW" altLang="en-US" smtClean="0"/>
-              <a:t>2021/9/28</a:t>
+              <a:t>2022/5/3</a:t>
             </a:fld>
             <a:endParaRPr lang="zh-TW" altLang="en-US"/>
           </a:p>
@@ -2793,7 +2798,7 @@
           <a:p>
             <a:fld id="{68133F22-0F63-4B1E-9B39-37AF556F6181}" type="datetimeFigureOut">
               <a:rPr lang="zh-TW" altLang="en-US" smtClean="0"/>
-              <a:t>2021/9/28</a:t>
+              <a:t>2022/5/3</a:t>
             </a:fld>
             <a:endParaRPr lang="zh-TW" altLang="en-US"/>
           </a:p>
@@ -3706,7 +3711,7 @@
           <a:p>
             <a:fld id="{68133F22-0F63-4B1E-9B39-37AF556F6181}" type="datetimeFigureOut">
               <a:rPr lang="zh-TW" altLang="en-US" smtClean="0"/>
-              <a:t>2021/9/28</a:t>
+              <a:t>2022/5/3</a:t>
             </a:fld>
             <a:endParaRPr lang="zh-TW" altLang="en-US"/>
           </a:p>
@@ -4019,7 +4024,7 @@
           <a:p>
             <a:fld id="{68133F22-0F63-4B1E-9B39-37AF556F6181}" type="datetimeFigureOut">
               <a:rPr lang="zh-TW" altLang="en-US" smtClean="0"/>
-              <a:t>2021/9/28</a:t>
+              <a:t>2022/5/3</a:t>
             </a:fld>
             <a:endParaRPr lang="zh-TW" altLang="en-US"/>
           </a:p>
@@ -4283,7 +4288,7 @@
           <a:p>
             <a:fld id="{68133F22-0F63-4B1E-9B39-37AF556F6181}" type="datetimeFigureOut">
               <a:rPr lang="zh-TW" altLang="en-US" smtClean="0"/>
-              <a:t>2021/9/28</a:t>
+              <a:t>2022/5/3</a:t>
             </a:fld>
             <a:endParaRPr lang="zh-TW" altLang="en-US"/>
           </a:p>
@@ -4606,7 +4611,7 @@
           <a:p>
             <a:fld id="{68133F22-0F63-4B1E-9B39-37AF556F6181}" type="datetimeFigureOut">
               <a:rPr lang="zh-TW" altLang="en-US" smtClean="0"/>
-              <a:t>2021/9/28</a:t>
+              <a:t>2022/5/3</a:t>
             </a:fld>
             <a:endParaRPr lang="zh-TW" altLang="en-US"/>
           </a:p>
@@ -4995,7 +5000,7 @@
           <a:p>
             <a:fld id="{68133F22-0F63-4B1E-9B39-37AF556F6181}" type="datetimeFigureOut">
               <a:rPr lang="zh-TW" altLang="en-US" smtClean="0"/>
-              <a:t>2021/9/28</a:t>
+              <a:t>2022/5/3</a:t>
             </a:fld>
             <a:endParaRPr lang="zh-TW" altLang="en-US"/>
           </a:p>
@@ -5371,7 +5376,7 @@
           <a:p>
             <a:fld id="{68133F22-0F63-4B1E-9B39-37AF556F6181}" type="datetimeFigureOut">
               <a:rPr lang="zh-TW" altLang="en-US" smtClean="0"/>
-              <a:t>2021/9/28</a:t>
+              <a:t>2022/5/3</a:t>
             </a:fld>
             <a:endParaRPr lang="zh-TW" altLang="en-US"/>
           </a:p>
@@ -5877,7 +5882,7 @@
           <a:p>
             <a:fld id="{68133F22-0F63-4B1E-9B39-37AF556F6181}" type="datetimeFigureOut">
               <a:rPr lang="zh-TW" altLang="en-US" smtClean="0"/>
-              <a:t>2021/9/28</a:t>
+              <a:t>2022/5/3</a:t>
             </a:fld>
             <a:endParaRPr lang="zh-TW" altLang="en-US"/>
           </a:p>
@@ -6134,7 +6139,7 @@
           <a:p>
             <a:fld id="{68133F22-0F63-4B1E-9B39-37AF556F6181}" type="datetimeFigureOut">
               <a:rPr lang="zh-TW" altLang="en-US" smtClean="0"/>
-              <a:t>2021/9/28</a:t>
+              <a:t>2022/5/3</a:t>
             </a:fld>
             <a:endParaRPr lang="zh-TW" altLang="en-US"/>
           </a:p>
@@ -6297,7 +6302,7 @@
           <a:p>
             <a:fld id="{68133F22-0F63-4B1E-9B39-37AF556F6181}" type="datetimeFigureOut">
               <a:rPr lang="zh-TW" altLang="en-US" smtClean="0"/>
-              <a:t>2021/9/28</a:t>
+              <a:t>2022/5/3</a:t>
             </a:fld>
             <a:endParaRPr lang="zh-TW" altLang="en-US"/>
           </a:p>
@@ -6687,7 +6692,7 @@
           <a:p>
             <a:fld id="{68133F22-0F63-4B1E-9B39-37AF556F6181}" type="datetimeFigureOut">
               <a:rPr lang="zh-TW" altLang="en-US" smtClean="0"/>
-              <a:t>2021/9/28</a:t>
+              <a:t>2022/5/3</a:t>
             </a:fld>
             <a:endParaRPr lang="zh-TW" altLang="en-US"/>
           </a:p>
@@ -7096,7 +7101,7 @@
           <a:p>
             <a:fld id="{68133F22-0F63-4B1E-9B39-37AF556F6181}" type="datetimeFigureOut">
               <a:rPr lang="zh-TW" altLang="en-US" smtClean="0"/>
-              <a:t>2021/9/28</a:t>
+              <a:t>2022/5/3</a:t>
             </a:fld>
             <a:endParaRPr lang="zh-TW" altLang="en-US"/>
           </a:p>
@@ -7340,7 +7345,7 @@
           <a:p>
             <a:fld id="{68133F22-0F63-4B1E-9B39-37AF556F6181}" type="datetimeFigureOut">
               <a:rPr lang="zh-TW" altLang="en-US" smtClean="0"/>
-              <a:t>2021/9/28</a:t>
+              <a:t>2022/5/3</a:t>
             </a:fld>
             <a:endParaRPr lang="zh-TW" altLang="en-US"/>
           </a:p>
@@ -7784,77 +7789,6 @@
           </a:p>
         </p:txBody>
       </p:sp>
-      <p:sp>
-        <p:nvSpPr>
-          <p:cNvPr id="3" name="副標題 2">
-            <a:extLst>
-              <a:ext uri="{FF2B5EF4-FFF2-40B4-BE49-F238E27FC236}">
-                <a16:creationId xmlns:a16="http://schemas.microsoft.com/office/drawing/2014/main" id="{E8654646-32B6-4F8A-BBE1-A5C931D57A0F}"/>
-              </a:ext>
-            </a:extLst>
-          </p:cNvPr>
-          <p:cNvSpPr>
-            <a:spLocks noGrp="1"/>
-          </p:cNvSpPr>
-          <p:nvPr>
-            <p:ph type="subTitle" idx="1"/>
-          </p:nvPr>
-        </p:nvSpPr>
-        <p:spPr/>
-        <p:txBody>
-          <a:bodyPr/>
-          <a:lstStyle/>
-          <a:p>
-            <a:pPr algn="ctr"/>
-            <a:r>
-              <a:rPr lang="zh-TW" altLang="en-US" dirty="0">
-                <a:latin typeface="Times New Roman" panose="02020603050405020304" pitchFamily="18" charset="0"/>
-                <a:cs typeface="Times New Roman" panose="02020603050405020304" pitchFamily="18" charset="0"/>
-              </a:rPr>
-              <a:t>報告人</a:t>
-            </a:r>
-            <a:r>
-              <a:rPr lang="en-US" altLang="zh-TW" dirty="0">
-                <a:latin typeface="Times New Roman" panose="02020603050405020304" pitchFamily="18" charset="0"/>
-                <a:cs typeface="Times New Roman" panose="02020603050405020304" pitchFamily="18" charset="0"/>
-              </a:rPr>
-              <a:t>:</a:t>
-            </a:r>
-            <a:r>
-              <a:rPr lang="zh-TW" altLang="en-US" dirty="0">
-                <a:latin typeface="Times New Roman" panose="02020603050405020304" pitchFamily="18" charset="0"/>
-                <a:cs typeface="Times New Roman" panose="02020603050405020304" pitchFamily="18" charset="0"/>
-              </a:rPr>
-              <a:t>董宇哲</a:t>
-            </a:r>
-            <a:endParaRPr lang="en-US" altLang="zh-TW" dirty="0">
-              <a:latin typeface="Times New Roman" panose="02020603050405020304" pitchFamily="18" charset="0"/>
-              <a:cs typeface="Times New Roman" panose="02020603050405020304" pitchFamily="18" charset="0"/>
-            </a:endParaRPr>
-          </a:p>
-          <a:p>
-            <a:pPr algn="ctr"/>
-            <a:r>
-              <a:rPr lang="zh-TW" altLang="en-US" dirty="0">
-                <a:latin typeface="Times New Roman" panose="02020603050405020304" pitchFamily="18" charset="0"/>
-                <a:cs typeface="Times New Roman" panose="02020603050405020304" pitchFamily="18" charset="0"/>
-              </a:rPr>
-              <a:t>學號</a:t>
-            </a:r>
-            <a:r>
-              <a:rPr lang="en-US" altLang="zh-TW" dirty="0">
-                <a:latin typeface="Times New Roman" panose="02020603050405020304" pitchFamily="18" charset="0"/>
-                <a:cs typeface="Times New Roman" panose="02020603050405020304" pitchFamily="18" charset="0"/>
-              </a:rPr>
-              <a:t>:WDP343108</a:t>
-            </a:r>
-            <a:endParaRPr lang="zh-TW" altLang="en-US" dirty="0">
-              <a:latin typeface="Times New Roman" panose="02020603050405020304" pitchFamily="18" charset="0"/>
-              <a:cs typeface="Times New Roman" panose="02020603050405020304" pitchFamily="18" charset="0"/>
-            </a:endParaRPr>
-          </a:p>
-        </p:txBody>
-      </p:sp>
     </p:spTree>
     <p:extLst>
       <p:ext uri="{BB962C8B-B14F-4D97-AF65-F5344CB8AC3E}">
